--- a/项目介绍.pptx
+++ b/项目介绍.pptx
@@ -18756,7 +18756,7 @@
         <p:spPr>
           <a:xfrm>
             <a:off x="568499" y="1008548"/>
-            <a:ext cx="10323022" cy="4801314"/>
+            <a:ext cx="10323022" cy="5078313"/>
           </a:xfrm>
           <a:prstGeom prst="rect">
             <a:avLst/>
@@ -19088,6 +19088,29 @@
             <a:r>
               <a:rPr lang="zh-CN" altLang="en-US" dirty="0"/>
               <a:t>：将当前服务器设置为主服务器</a:t>
+            </a:r>
+            <a:endParaRPr lang="en-US" altLang="zh-CN" dirty="0"/>
+          </a:p>
+          <a:p>
+            <a:pPr marL="742950" lvl="1" indent="-285750">
+              <a:buFont typeface="Arial" panose="020B0604020202020204" pitchFamily="34" charset="0"/>
+              <a:buChar char="•"/>
+            </a:pPr>
+            <a:r>
+              <a:rPr lang="en-US" altLang="zh-CN" dirty="0"/>
+              <a:t>/</a:t>
+            </a:r>
+            <a:r>
+              <a:rPr lang="en-US" altLang="zh-CN" dirty="0" err="1"/>
+              <a:t>isBloomFilterMasterServer</a:t>
+            </a:r>
+            <a:r>
+              <a:rPr lang="zh-CN" altLang="en-US" dirty="0"/>
+              <a:t>：当前服务器</a:t>
+            </a:r>
+            <a:r>
+              <a:rPr lang="zh-CN" altLang="en-US"/>
+              <a:t>是否为主服务器</a:t>
             </a:r>
             <a:endParaRPr lang="en-US" altLang="zh-CN" dirty="0"/>
           </a:p>
@@ -29142,55 +29165,6 @@
           </a:fontRef>
         </p:style>
       </p:cxnSp>
-      <p:sp>
-        <p:nvSpPr>
-          <p:cNvPr id="21" name="矩形 20">
-            <a:extLst>
-              <a:ext uri="{FF2B5EF4-FFF2-40B4-BE49-F238E27FC236}">
-                <a16:creationId xmlns:a16="http://schemas.microsoft.com/office/drawing/2014/main" id="{6C64EF55-D85B-848E-1258-C1262B869294}"/>
-              </a:ext>
-            </a:extLst>
-          </p:cNvPr>
-          <p:cNvSpPr/>
-          <p:nvPr/>
-        </p:nvSpPr>
-        <p:spPr>
-          <a:xfrm>
-            <a:off x="6721781" y="1062689"/>
-            <a:ext cx="3231798" cy="1136580"/>
-          </a:xfrm>
-          <a:prstGeom prst="rect">
-            <a:avLst/>
-          </a:prstGeom>
-        </p:spPr>
-        <p:style>
-          <a:lnRef idx="2">
-            <a:schemeClr val="accent1">
-              <a:shade val="15000"/>
-            </a:schemeClr>
-          </a:lnRef>
-          <a:fillRef idx="1">
-            <a:schemeClr val="accent1"/>
-          </a:fillRef>
-          <a:effectRef idx="0">
-            <a:schemeClr val="accent1"/>
-          </a:effectRef>
-          <a:fontRef idx="minor">
-            <a:schemeClr val="lt1"/>
-          </a:fontRef>
-        </p:style>
-        <p:txBody>
-          <a:bodyPr rtlCol="0" anchor="ctr"/>
-          <a:lstStyle/>
-          <a:p>
-            <a:pPr algn="ctr"/>
-            <a:r>
-              <a:rPr lang="zh-CN" altLang="en-US" dirty="0"/>
-              <a:t>实现在不修改源代码的情况下给代码添加额外功能</a:t>
-            </a:r>
-          </a:p>
-        </p:txBody>
-      </p:sp>
     </p:spTree>
     <p:extLst>
       <p:ext uri="{BB962C8B-B14F-4D97-AF65-F5344CB8AC3E}">
@@ -29201,149 +29175,6 @@
   <p:clrMapOvr>
     <a:masterClrMapping/>
   </p:clrMapOvr>
-  <p:timing>
-    <p:tnLst>
-      <p:par>
-        <p:cTn id="1" dur="indefinite" restart="never" nodeType="tmRoot">
-          <p:childTnLst>
-            <p:seq concurrent="1" nextAc="seek">
-              <p:cTn id="2" restart="whenNotActive" fill="hold" evtFilter="cancelBubble" nodeType="interactiveSeq">
-                <p:stCondLst>
-                  <p:cond evt="onClick" delay="0">
-                    <p:tgtEl>
-                      <p:spTgt spid="14"/>
-                    </p:tgtEl>
-                  </p:cond>
-                </p:stCondLst>
-                <p:endSync evt="end" delay="0">
-                  <p:rtn val="all"/>
-                </p:endSync>
-                <p:childTnLst>
-                  <p:par>
-                    <p:cTn id="3" fill="hold">
-                      <p:stCondLst>
-                        <p:cond delay="0"/>
-                      </p:stCondLst>
-                      <p:childTnLst>
-                        <p:par>
-                          <p:cTn id="4" fill="hold">
-                            <p:stCondLst>
-                              <p:cond delay="0"/>
-                            </p:stCondLst>
-                            <p:childTnLst>
-                              <p:par>
-                                <p:cTn id="5" presetID="10" presetClass="entr" presetSubtype="0" fill="hold" grpId="0" nodeType="clickEffect">
-                                  <p:stCondLst>
-                                    <p:cond delay="0"/>
-                                  </p:stCondLst>
-                                  <p:childTnLst>
-                                    <p:set>
-                                      <p:cBhvr>
-                                        <p:cTn id="6" dur="1" fill="hold">
-                                          <p:stCondLst>
-                                            <p:cond delay="0"/>
-                                          </p:stCondLst>
-                                        </p:cTn>
-                                        <p:tgtEl>
-                                          <p:spTgt spid="21"/>
-                                        </p:tgtEl>
-                                        <p:attrNameLst>
-                                          <p:attrName>style.visibility</p:attrName>
-                                        </p:attrNameLst>
-                                      </p:cBhvr>
-                                      <p:to>
-                                        <p:strVal val="visible"/>
-                                      </p:to>
-                                    </p:set>
-                                    <p:animEffect transition="in" filter="fade">
-                                      <p:cBhvr>
-                                        <p:cTn id="7" dur="500"/>
-                                        <p:tgtEl>
-                                          <p:spTgt spid="21"/>
-                                        </p:tgtEl>
-                                      </p:cBhvr>
-                                    </p:animEffect>
-                                  </p:childTnLst>
-                                </p:cTn>
-                              </p:par>
-                            </p:childTnLst>
-                          </p:cTn>
-                        </p:par>
-                      </p:childTnLst>
-                    </p:cTn>
-                  </p:par>
-                  <p:par>
-                    <p:cTn id="8" fill="hold">
-                      <p:stCondLst>
-                        <p:cond delay="indefinite"/>
-                      </p:stCondLst>
-                      <p:childTnLst>
-                        <p:par>
-                          <p:cTn id="9" fill="hold">
-                            <p:stCondLst>
-                              <p:cond delay="0"/>
-                            </p:stCondLst>
-                            <p:childTnLst>
-                              <p:par>
-                                <p:cTn id="10" presetID="10" presetClass="exit" presetSubtype="0" fill="hold" grpId="1" nodeType="clickEffect">
-                                  <p:stCondLst>
-                                    <p:cond delay="0"/>
-                                  </p:stCondLst>
-                                  <p:childTnLst>
-                                    <p:animEffect transition="out" filter="fade">
-                                      <p:cBhvr>
-                                        <p:cTn id="11" dur="500"/>
-                                        <p:tgtEl>
-                                          <p:spTgt spid="21"/>
-                                        </p:tgtEl>
-                                      </p:cBhvr>
-                                    </p:animEffect>
-                                    <p:set>
-                                      <p:cBhvr>
-                                        <p:cTn id="12" dur="1" fill="hold">
-                                          <p:stCondLst>
-                                            <p:cond delay="499"/>
-                                          </p:stCondLst>
-                                        </p:cTn>
-                                        <p:tgtEl>
-                                          <p:spTgt spid="21"/>
-                                        </p:tgtEl>
-                                        <p:attrNameLst>
-                                          <p:attrName>style.visibility</p:attrName>
-                                        </p:attrNameLst>
-                                      </p:cBhvr>
-                                      <p:to>
-                                        <p:strVal val="hidden"/>
-                                      </p:to>
-                                    </p:set>
-                                  </p:childTnLst>
-                                </p:cTn>
-                              </p:par>
-                            </p:childTnLst>
-                          </p:cTn>
-                        </p:par>
-                      </p:childTnLst>
-                    </p:cTn>
-                  </p:par>
-                </p:childTnLst>
-              </p:cTn>
-              <p:nextCondLst>
-                <p:cond evt="onClick" delay="0">
-                  <p:tgtEl>
-                    <p:spTgt spid="14"/>
-                  </p:tgtEl>
-                </p:cond>
-              </p:nextCondLst>
-            </p:seq>
-          </p:childTnLst>
-        </p:cTn>
-      </p:par>
-    </p:tnLst>
-    <p:bldLst>
-      <p:bldP spid="21" grpId="0" animBg="1"/>
-      <p:bldP spid="21" grpId="1" animBg="1"/>
-    </p:bldLst>
-  </p:timing>
 </p:sld>
 </file>
 
